--- a/slides/6_instruction_tuning.pptx
+++ b/slides/6_instruction_tuning.pptx
@@ -5,7 +5,7 @@
     <p:sldMasterId id="2147483648" r:id="rId1"/>
   </p:sldMasterIdLst>
   <p:notesMasterIdLst>
-    <p:notesMasterId r:id="rId14"/>
+    <p:notesMasterId r:id="rId16"/>
   </p:notesMasterIdLst>
   <p:sldIdLst>
     <p:sldId id="256" r:id="rId2"/>
@@ -15,11 +15,13 @@
     <p:sldId id="280" r:id="rId6"/>
     <p:sldId id="828" r:id="rId7"/>
     <p:sldId id="810" r:id="rId8"/>
-    <p:sldId id="827" r:id="rId9"/>
-    <p:sldId id="811" r:id="rId10"/>
-    <p:sldId id="800" r:id="rId11"/>
-    <p:sldId id="819" r:id="rId12"/>
-    <p:sldId id="821" r:id="rId13"/>
+    <p:sldId id="829" r:id="rId9"/>
+    <p:sldId id="827" r:id="rId10"/>
+    <p:sldId id="811" r:id="rId11"/>
+    <p:sldId id="800" r:id="rId12"/>
+    <p:sldId id="819" r:id="rId13"/>
+    <p:sldId id="821" r:id="rId14"/>
+    <p:sldId id="830" r:id="rId15"/>
   </p:sldIdLst>
   <p:sldSz cx="12192000" cy="6858000"/>
   <p:notesSz cx="6858000" cy="9144000"/>
@@ -7431,110 +7433,12 @@
           <a:chExt cx="0" cy="0"/>
         </a:xfrm>
       </p:grpSpPr>
-      <p:sp>
-        <p:nvSpPr>
-          <p:cNvPr id="2" name="Title 1">
-            <a:extLst>
-              <a:ext uri="{FF2B5EF4-FFF2-40B4-BE49-F238E27FC236}">
-                <a16:creationId xmlns:a16="http://schemas.microsoft.com/office/drawing/2014/main" id="{8BDD99FF-C910-A0E8-3381-C448E5F1653D}"/>
-              </a:ext>
-            </a:extLst>
-          </p:cNvPr>
-          <p:cNvSpPr>
-            <a:spLocks noGrp="1"/>
-          </p:cNvSpPr>
-          <p:nvPr>
-            <p:ph type="title"/>
-          </p:nvPr>
-        </p:nvSpPr>
-        <p:spPr/>
-        <p:txBody>
-          <a:bodyPr/>
-          <a:lstStyle/>
-          <a:p>
-            <a:r>
-              <a:rPr lang="en-GB" dirty="0" err="1">
-                <a:hlinkClick r:id="rId2"/>
-              </a:rPr>
-              <a:t>InstructGPT</a:t>
-            </a:r>
-            <a:endParaRPr lang="en-GB" dirty="0"/>
-          </a:p>
-        </p:txBody>
-      </p:sp>
-      <p:sp>
-        <p:nvSpPr>
-          <p:cNvPr id="4" name="Slide Number Placeholder 3">
-            <a:extLst>
-              <a:ext uri="{FF2B5EF4-FFF2-40B4-BE49-F238E27FC236}">
-                <a16:creationId xmlns:a16="http://schemas.microsoft.com/office/drawing/2014/main" id="{98FF788B-7FE4-0E3B-1C93-49275F5E6753}"/>
-              </a:ext>
-            </a:extLst>
-          </p:cNvPr>
-          <p:cNvSpPr>
-            <a:spLocks noGrp="1"/>
-          </p:cNvSpPr>
-          <p:nvPr>
-            <p:ph type="sldNum" sz="quarter" idx="12"/>
-          </p:nvPr>
-        </p:nvSpPr>
-        <p:spPr/>
-        <p:txBody>
-          <a:bodyPr/>
-          <a:lstStyle/>
-          <a:p>
-            <a:fld id="{849D05A8-43E9-1C49-8606-50AB68220DEC}" type="slidenum">
-              <a:rPr lang="en-DE" smtClean="0"/>
-              <a:t>10</a:t>
-            </a:fld>
-            <a:endParaRPr lang="en-DE"/>
-          </a:p>
-        </p:txBody>
-      </p:sp>
-      <p:sp>
-        <p:nvSpPr>
-          <p:cNvPr id="5" name="TextBox 4">
-            <a:extLst>
-              <a:ext uri="{FF2B5EF4-FFF2-40B4-BE49-F238E27FC236}">
-                <a16:creationId xmlns:a16="http://schemas.microsoft.com/office/drawing/2014/main" id="{F3F48B22-F5A5-3996-02A4-5527B567641F}"/>
-              </a:ext>
-            </a:extLst>
-          </p:cNvPr>
-          <p:cNvSpPr txBox="1"/>
-          <p:nvPr/>
-        </p:nvSpPr>
-        <p:spPr>
-          <a:xfrm>
-            <a:off x="11277600" y="5178391"/>
-            <a:ext cx="608718" cy="246219"/>
-          </a:xfrm>
-          <a:prstGeom prst="rect">
-            <a:avLst/>
-          </a:prstGeom>
-          <a:noFill/>
-        </p:spPr>
-        <p:txBody>
-          <a:bodyPr wrap="square" rtlCol="0">
-            <a:spAutoFit/>
-          </a:bodyPr>
-          <a:lstStyle/>
-          <a:p>
-            <a:r>
-              <a:rPr lang="de-DE" sz="1000" dirty="0">
-                <a:hlinkClick r:id="rId3"/>
-              </a:rPr>
-              <a:t>source</a:t>
-            </a:r>
-            <a:endParaRPr lang="de-DE" sz="1000" dirty="0"/>
-          </a:p>
-        </p:txBody>
-      </p:sp>
       <p:pic>
         <p:nvPicPr>
-          <p:cNvPr id="7" name="Grafik 6" descr="Ein Bild, das Text, Screenshot enthält.&#10;&#10;KI-generierte Inhalte können fehlerhaft sein.">
-            <a:extLst>
-              <a:ext uri="{FF2B5EF4-FFF2-40B4-BE49-F238E27FC236}">
-                <a16:creationId xmlns:a16="http://schemas.microsoft.com/office/drawing/2014/main" id="{51ABF00D-E8BF-27E7-1A48-C092AAB646B2}"/>
+          <p:cNvPr id="5" name="Grafik 4" descr="Ein Bild, das Text, Diagramm, Reihe, Screenshot enthält.&#10;&#10;KI-generierte Inhalte können fehlerhaft sein.">
+            <a:extLst>
+              <a:ext uri="{FF2B5EF4-FFF2-40B4-BE49-F238E27FC236}">
+                <a16:creationId xmlns:a16="http://schemas.microsoft.com/office/drawing/2014/main" id="{96747100-59AE-6262-89EF-8C7470AFFDAD}"/>
               </a:ext>
             </a:extLst>
           </p:cNvPr>
@@ -7544,15 +7448,15 @@
           <p:nvPr/>
         </p:nvPicPr>
         <p:blipFill>
-          <a:blip r:embed="rId4"/>
+          <a:blip r:embed="rId2"/>
           <a:stretch>
             <a:fillRect/>
           </a:stretch>
         </p:blipFill>
         <p:spPr>
           <a:xfrm>
-            <a:off x="436605" y="1690688"/>
-            <a:ext cx="11449713" cy="3258162"/>
+            <a:off x="838200" y="3334977"/>
+            <a:ext cx="10515600" cy="3298525"/>
           </a:xfrm>
           <a:prstGeom prst="rect">
             <a:avLst/>
@@ -7561,46 +7465,132 @@
       </p:pic>
       <p:sp>
         <p:nvSpPr>
-          <p:cNvPr id="9" name="Textfeld 8">
-            <a:extLst>
-              <a:ext uri="{FF2B5EF4-FFF2-40B4-BE49-F238E27FC236}">
-                <a16:creationId xmlns:a16="http://schemas.microsoft.com/office/drawing/2014/main" id="{DFB0CE71-E065-7443-636C-0D3D508B9E73}"/>
-              </a:ext>
-            </a:extLst>
-          </p:cNvPr>
-          <p:cNvSpPr txBox="1"/>
-          <p:nvPr/>
-        </p:nvSpPr>
-        <p:spPr>
-          <a:xfrm>
-            <a:off x="2984938" y="5424610"/>
-            <a:ext cx="6222124" cy="492443"/>
-          </a:xfrm>
-          <a:prstGeom prst="rect">
-            <a:avLst/>
-          </a:prstGeom>
-          <a:noFill/>
-        </p:spPr>
-        <p:txBody>
-          <a:bodyPr wrap="square">
-            <a:spAutoFit/>
-          </a:bodyPr>
+          <p:cNvPr id="2" name="Titel 1">
+            <a:extLst>
+              <a:ext uri="{FF2B5EF4-FFF2-40B4-BE49-F238E27FC236}">
+                <a16:creationId xmlns:a16="http://schemas.microsoft.com/office/drawing/2014/main" id="{A2D747F7-B5C9-14F0-BC67-84479A070FE6}"/>
+              </a:ext>
+            </a:extLst>
+          </p:cNvPr>
+          <p:cNvSpPr>
+            <a:spLocks noGrp="1"/>
+          </p:cNvSpPr>
+          <p:nvPr>
+            <p:ph type="title"/>
+          </p:nvPr>
+        </p:nvSpPr>
+        <p:spPr/>
+        <p:txBody>
+          <a:bodyPr/>
           <a:lstStyle/>
           <a:p>
-            <a:pPr marL="0" indent="0">
-              <a:buNone/>
-            </a:pPr>
-            <a:r>
-              <a:rPr lang="en-GB" sz="2600" dirty="0"/>
-              <a:t>aligning LLM output with human intention</a:t>
-            </a:r>
+            <a:r>
+              <a:rPr lang="de-DE" dirty="0"/>
+              <a:t>Alignment</a:t>
+            </a:r>
+          </a:p>
+        </p:txBody>
+      </p:sp>
+      <p:sp>
+        <p:nvSpPr>
+          <p:cNvPr id="3" name="Inhaltsplatzhalter 2">
+            <a:extLst>
+              <a:ext uri="{FF2B5EF4-FFF2-40B4-BE49-F238E27FC236}">
+                <a16:creationId xmlns:a16="http://schemas.microsoft.com/office/drawing/2014/main" id="{FDF9E407-E7CD-CEC9-08A9-C9287C7FD409}"/>
+              </a:ext>
+            </a:extLst>
+          </p:cNvPr>
+          <p:cNvSpPr>
+            <a:spLocks noGrp="1"/>
+          </p:cNvSpPr>
+          <p:nvPr>
+            <p:ph idx="1"/>
+          </p:nvPr>
+        </p:nvSpPr>
+        <p:spPr/>
+        <p:txBody>
+          <a:bodyPr/>
+          <a:lstStyle/>
+          <a:p>
+            <a:r>
+              <a:rPr lang="de-DE" dirty="0"/>
+              <a:t>…</a:t>
+            </a:r>
+          </a:p>
+          <a:p>
+            <a:r>
+              <a:rPr lang="en-GB" dirty="0"/>
+              <a:t>reinforcement learning from human feedback (</a:t>
+            </a:r>
+            <a:r>
+              <a:rPr lang="en-GB" dirty="0">
+                <a:hlinkClick r:id="rId3"/>
+              </a:rPr>
+              <a:t>RLHF</a:t>
+            </a:r>
+            <a:r>
+              <a:rPr lang="en-GB" dirty="0"/>
+              <a:t>)</a:t>
+            </a:r>
+          </a:p>
+          <a:p>
+            <a:r>
+              <a:rPr lang="en-GB" dirty="0"/>
+              <a:t>alternatives: </a:t>
+            </a:r>
+            <a:r>
+              <a:rPr lang="en-GB" dirty="0">
+                <a:hlinkClick r:id="rId4"/>
+              </a:rPr>
+              <a:t>DPO</a:t>
+            </a:r>
+            <a:r>
+              <a:rPr lang="en-GB" dirty="0"/>
+              <a:t>, </a:t>
+            </a:r>
+            <a:r>
+              <a:rPr lang="en-GB" dirty="0">
+                <a:hlinkClick r:id="rId5"/>
+              </a:rPr>
+              <a:t>ORPO</a:t>
+            </a:r>
+            <a:endParaRPr lang="en-GB" dirty="0"/>
+          </a:p>
+        </p:txBody>
+      </p:sp>
+      <p:sp>
+        <p:nvSpPr>
+          <p:cNvPr id="4" name="Foliennummernplatzhalter 3">
+            <a:extLst>
+              <a:ext uri="{FF2B5EF4-FFF2-40B4-BE49-F238E27FC236}">
+                <a16:creationId xmlns:a16="http://schemas.microsoft.com/office/drawing/2014/main" id="{EAE107DF-A4FD-7351-4A7D-0434F1EAC98D}"/>
+              </a:ext>
+            </a:extLst>
+          </p:cNvPr>
+          <p:cNvSpPr>
+            <a:spLocks noGrp="1"/>
+          </p:cNvSpPr>
+          <p:nvPr>
+            <p:ph type="sldNum" sz="quarter" idx="12"/>
+          </p:nvPr>
+        </p:nvSpPr>
+        <p:spPr/>
+        <p:txBody>
+          <a:bodyPr/>
+          <a:lstStyle/>
+          <a:p>
+            <a:fld id="{4055531C-5681-6B44-B2CA-926D7A74B06D}" type="slidenum">
+              <a:rPr lang="de-DE" smtClean="0"/>
+              <a:t>10</a:t>
+            </a:fld>
+            <a:endParaRPr lang="de-DE"/>
           </a:p>
         </p:txBody>
       </p:sp>
     </p:spTree>
     <p:extLst>
       <p:ext uri="{BB962C8B-B14F-4D97-AF65-F5344CB8AC3E}">
-        <p14:creationId xmlns:p14="http://schemas.microsoft.com/office/powerpoint/2010/main" val="2859818903"/>
+        <p14:creationId xmlns:p14="http://schemas.microsoft.com/office/powerpoint/2010/main" val="1126874156"/>
       </p:ext>
     </p:extLst>
   </p:cSld>
@@ -7629,10 +7619,10 @@
       </p:grpSpPr>
       <p:sp>
         <p:nvSpPr>
-          <p:cNvPr id="2" name="Titel 1">
-            <a:extLst>
-              <a:ext uri="{FF2B5EF4-FFF2-40B4-BE49-F238E27FC236}">
-                <a16:creationId xmlns:a16="http://schemas.microsoft.com/office/drawing/2014/main" id="{09493DE1-8681-E946-F35C-2A338BAFE2C4}"/>
+          <p:cNvPr id="2" name="Title 1">
+            <a:extLst>
+              <a:ext uri="{FF2B5EF4-FFF2-40B4-BE49-F238E27FC236}">
+                <a16:creationId xmlns:a16="http://schemas.microsoft.com/office/drawing/2014/main" id="{8BDD99FF-C910-A0E8-3381-C448E5F1653D}"/>
               </a:ext>
             </a:extLst>
           </p:cNvPr>
@@ -7648,16 +7638,22 @@
           <a:bodyPr/>
           <a:lstStyle/>
           <a:p>
-            <a:endParaRPr lang="de-DE"/>
-          </a:p>
-        </p:txBody>
-      </p:sp>
-      <p:sp>
-        <p:nvSpPr>
-          <p:cNvPr id="3" name="Inhaltsplatzhalter 2">
-            <a:extLst>
-              <a:ext uri="{FF2B5EF4-FFF2-40B4-BE49-F238E27FC236}">
-                <a16:creationId xmlns:a16="http://schemas.microsoft.com/office/drawing/2014/main" id="{84C5182F-76D3-02B3-807F-78D531F2C37B}"/>
+            <a:r>
+              <a:rPr lang="en-GB" dirty="0" err="1">
+                <a:hlinkClick r:id="rId2"/>
+              </a:rPr>
+              <a:t>InstructGPT</a:t>
+            </a:r>
+            <a:endParaRPr lang="en-GB" dirty="0"/>
+          </a:p>
+        </p:txBody>
+      </p:sp>
+      <p:sp>
+        <p:nvSpPr>
+          <p:cNvPr id="4" name="Slide Number Placeholder 3">
+            <a:extLst>
+              <a:ext uri="{FF2B5EF4-FFF2-40B4-BE49-F238E27FC236}">
+                <a16:creationId xmlns:a16="http://schemas.microsoft.com/office/drawing/2014/main" id="{98FF788B-7FE4-0E3B-1C93-49275F5E6753}"/>
               </a:ext>
             </a:extLst>
           </p:cNvPr>
@@ -7665,7 +7661,7 @@
             <a:spLocks noGrp="1"/>
           </p:cNvSpPr>
           <p:nvPr>
-            <p:ph idx="1"/>
+            <p:ph type="sldNum" sz="quarter" idx="12"/>
           </p:nvPr>
         </p:nvSpPr>
         <p:spPr/>
@@ -7673,66 +7669,124 @@
           <a:bodyPr/>
           <a:lstStyle/>
           <a:p>
-            <a:r>
-              <a:rPr lang="de-DE" dirty="0" err="1"/>
-              <a:t>from</a:t>
-            </a:r>
-            <a:r>
-              <a:rPr lang="de-DE" dirty="0"/>
-              <a:t> GPT-3 </a:t>
-            </a:r>
-            <a:r>
-              <a:rPr lang="de-DE" dirty="0" err="1"/>
-              <a:t>to</a:t>
-            </a:r>
-            <a:r>
-              <a:rPr lang="de-DE" dirty="0"/>
-              <a:t> </a:t>
-            </a:r>
-            <a:r>
-              <a:rPr lang="de-DE" dirty="0" err="1"/>
-              <a:t>InstructGPT</a:t>
-            </a:r>
-            <a:r>
-              <a:rPr lang="de-DE" dirty="0"/>
-              <a:t> and ChatGPT</a:t>
-            </a:r>
-          </a:p>
-        </p:txBody>
-      </p:sp>
-      <p:sp>
-        <p:nvSpPr>
-          <p:cNvPr id="4" name="Foliennummernplatzhalter 3">
-            <a:extLst>
-              <a:ext uri="{FF2B5EF4-FFF2-40B4-BE49-F238E27FC236}">
-                <a16:creationId xmlns:a16="http://schemas.microsoft.com/office/drawing/2014/main" id="{425A7FC5-9ED3-4885-ECCE-73FBD8CB7493}"/>
-              </a:ext>
-            </a:extLst>
-          </p:cNvPr>
-          <p:cNvSpPr>
-            <a:spLocks noGrp="1"/>
-          </p:cNvSpPr>
-          <p:nvPr>
-            <p:ph type="sldNum" sz="quarter" idx="12"/>
-          </p:nvPr>
-        </p:nvSpPr>
-        <p:spPr/>
-        <p:txBody>
-          <a:bodyPr/>
-          <a:lstStyle/>
-          <a:p>
-            <a:fld id="{4055531C-5681-6B44-B2CA-926D7A74B06D}" type="slidenum">
-              <a:rPr lang="de-DE" smtClean="0"/>
+            <a:fld id="{849D05A8-43E9-1C49-8606-50AB68220DEC}" type="slidenum">
+              <a:rPr lang="en-DE" smtClean="0"/>
               <a:t>11</a:t>
             </a:fld>
-            <a:endParaRPr lang="de-DE"/>
+            <a:endParaRPr lang="en-DE"/>
+          </a:p>
+        </p:txBody>
+      </p:sp>
+      <p:sp>
+        <p:nvSpPr>
+          <p:cNvPr id="5" name="TextBox 4">
+            <a:extLst>
+              <a:ext uri="{FF2B5EF4-FFF2-40B4-BE49-F238E27FC236}">
+                <a16:creationId xmlns:a16="http://schemas.microsoft.com/office/drawing/2014/main" id="{F3F48B22-F5A5-3996-02A4-5527B567641F}"/>
+              </a:ext>
+            </a:extLst>
+          </p:cNvPr>
+          <p:cNvSpPr txBox="1"/>
+          <p:nvPr/>
+        </p:nvSpPr>
+        <p:spPr>
+          <a:xfrm>
+            <a:off x="11277600" y="5178391"/>
+            <a:ext cx="608718" cy="246219"/>
+          </a:xfrm>
+          <a:prstGeom prst="rect">
+            <a:avLst/>
+          </a:prstGeom>
+          <a:noFill/>
+        </p:spPr>
+        <p:txBody>
+          <a:bodyPr wrap="square" rtlCol="0">
+            <a:spAutoFit/>
+          </a:bodyPr>
+          <a:lstStyle/>
+          <a:p>
+            <a:r>
+              <a:rPr lang="de-DE" sz="1000" dirty="0">
+                <a:hlinkClick r:id="rId3"/>
+              </a:rPr>
+              <a:t>source</a:t>
+            </a:r>
+            <a:endParaRPr lang="de-DE" sz="1000" dirty="0"/>
+          </a:p>
+        </p:txBody>
+      </p:sp>
+      <p:pic>
+        <p:nvPicPr>
+          <p:cNvPr id="7" name="Grafik 6" descr="Ein Bild, das Text, Screenshot enthält.&#10;&#10;KI-generierte Inhalte können fehlerhaft sein.">
+            <a:extLst>
+              <a:ext uri="{FF2B5EF4-FFF2-40B4-BE49-F238E27FC236}">
+                <a16:creationId xmlns:a16="http://schemas.microsoft.com/office/drawing/2014/main" id="{51ABF00D-E8BF-27E7-1A48-C092AAB646B2}"/>
+              </a:ext>
+            </a:extLst>
+          </p:cNvPr>
+          <p:cNvPicPr>
+            <a:picLocks noChangeAspect="1"/>
+          </p:cNvPicPr>
+          <p:nvPr/>
+        </p:nvPicPr>
+        <p:blipFill>
+          <a:blip r:embed="rId4"/>
+          <a:stretch>
+            <a:fillRect/>
+          </a:stretch>
+        </p:blipFill>
+        <p:spPr>
+          <a:xfrm>
+            <a:off x="436605" y="1690688"/>
+            <a:ext cx="11449713" cy="3258162"/>
+          </a:xfrm>
+          <a:prstGeom prst="rect">
+            <a:avLst/>
+          </a:prstGeom>
+        </p:spPr>
+      </p:pic>
+      <p:sp>
+        <p:nvSpPr>
+          <p:cNvPr id="9" name="Textfeld 8">
+            <a:extLst>
+              <a:ext uri="{FF2B5EF4-FFF2-40B4-BE49-F238E27FC236}">
+                <a16:creationId xmlns:a16="http://schemas.microsoft.com/office/drawing/2014/main" id="{DFB0CE71-E065-7443-636C-0D3D508B9E73}"/>
+              </a:ext>
+            </a:extLst>
+          </p:cNvPr>
+          <p:cNvSpPr txBox="1"/>
+          <p:nvPr/>
+        </p:nvSpPr>
+        <p:spPr>
+          <a:xfrm>
+            <a:off x="2984938" y="5424610"/>
+            <a:ext cx="6222124" cy="492443"/>
+          </a:xfrm>
+          <a:prstGeom prst="rect">
+            <a:avLst/>
+          </a:prstGeom>
+          <a:noFill/>
+        </p:spPr>
+        <p:txBody>
+          <a:bodyPr wrap="square">
+            <a:spAutoFit/>
+          </a:bodyPr>
+          <a:lstStyle/>
+          <a:p>
+            <a:pPr marL="0" indent="0">
+              <a:buNone/>
+            </a:pPr>
+            <a:r>
+              <a:rPr lang="en-GB" sz="2600" dirty="0"/>
+              <a:t>aligning LLM output with human intention</a:t>
+            </a:r>
           </a:p>
         </p:txBody>
       </p:sp>
     </p:spTree>
     <p:extLst>
       <p:ext uri="{BB962C8B-B14F-4D97-AF65-F5344CB8AC3E}">
-        <p14:creationId xmlns:p14="http://schemas.microsoft.com/office/powerpoint/2010/main" val="3914762839"/>
+        <p14:creationId xmlns:p14="http://schemas.microsoft.com/office/powerpoint/2010/main" val="2859818903"/>
       </p:ext>
     </p:extLst>
   </p:cSld>
@@ -7764,7 +7818,7 @@
           <p:cNvPr id="2" name="Titel 1">
             <a:extLst>
               <a:ext uri="{FF2B5EF4-FFF2-40B4-BE49-F238E27FC236}">
-                <a16:creationId xmlns:a16="http://schemas.microsoft.com/office/drawing/2014/main" id="{5A1B08B0-5FAB-8E36-9583-086C5FE7FBA2}"/>
+                <a16:creationId xmlns:a16="http://schemas.microsoft.com/office/drawing/2014/main" id="{09493DE1-8681-E946-F35C-2A338BAFE2C4}"/>
               </a:ext>
             </a:extLst>
           </p:cNvPr>
@@ -7780,15 +7834,7 @@
           <a:bodyPr/>
           <a:lstStyle/>
           <a:p>
-            <a:r>
-              <a:rPr lang="de-DE" dirty="0"/>
-              <a:t>Multi-Turn </a:t>
-            </a:r>
-            <a:r>
-              <a:rPr lang="de-DE" dirty="0" err="1"/>
-              <a:t>Dialogue</a:t>
-            </a:r>
-            <a:endParaRPr lang="de-DE" dirty="0"/>
+            <a:endParaRPr lang="de-DE"/>
           </a:p>
         </p:txBody>
       </p:sp>
@@ -7797,7 +7843,7 @@
           <p:cNvPr id="3" name="Inhaltsplatzhalter 2">
             <a:extLst>
               <a:ext uri="{FF2B5EF4-FFF2-40B4-BE49-F238E27FC236}">
-                <a16:creationId xmlns:a16="http://schemas.microsoft.com/office/drawing/2014/main" id="{BFDAE060-03E4-7410-C0A6-AE36D46743C1}"/>
+                <a16:creationId xmlns:a16="http://schemas.microsoft.com/office/drawing/2014/main" id="{84C5182F-76D3-02B3-807F-78D531F2C37B}"/>
               </a:ext>
             </a:extLst>
           </p:cNvPr>
@@ -7815,7 +7861,15 @@
           <a:p>
             <a:r>
               <a:rPr lang="de-DE" dirty="0" err="1"/>
-              <a:t>Handled</a:t>
+              <a:t>from</a:t>
+            </a:r>
+            <a:r>
+              <a:rPr lang="de-DE" dirty="0"/>
+              <a:t> GPT-3 </a:t>
+            </a:r>
+            <a:r>
+              <a:rPr lang="de-DE" dirty="0" err="1"/>
+              <a:t>to</a:t>
             </a:r>
             <a:r>
               <a:rPr lang="de-DE" dirty="0"/>
@@ -7823,131 +7877,11 @@
             </a:r>
             <a:r>
               <a:rPr lang="de-DE" dirty="0" err="1"/>
-              <a:t>entirely</a:t>
+              <a:t>InstructGPT</a:t>
             </a:r>
             <a:r>
               <a:rPr lang="de-DE" dirty="0"/>
-              <a:t> </a:t>
-            </a:r>
-            <a:r>
-              <a:rPr lang="de-DE" dirty="0" err="1"/>
-              <a:t>by</a:t>
-            </a:r>
-            <a:r>
-              <a:rPr lang="de-DE" dirty="0"/>
-              <a:t> </a:t>
-            </a:r>
-            <a:r>
-              <a:rPr lang="de-DE" dirty="0" err="1"/>
-              <a:t>passing</a:t>
-            </a:r>
-            <a:r>
-              <a:rPr lang="de-DE" dirty="0"/>
-              <a:t> </a:t>
-            </a:r>
-            <a:r>
-              <a:rPr lang="de-DE" dirty="0" err="1"/>
-              <a:t>the</a:t>
-            </a:r>
-            <a:r>
-              <a:rPr lang="de-DE" dirty="0"/>
-              <a:t> </a:t>
-            </a:r>
-            <a:r>
-              <a:rPr lang="de-DE" dirty="0" err="1"/>
-              <a:t>conversation</a:t>
-            </a:r>
-            <a:r>
-              <a:rPr lang="de-DE" dirty="0"/>
-              <a:t> </a:t>
-            </a:r>
-            <a:r>
-              <a:rPr lang="de-DE" dirty="0" err="1"/>
-              <a:t>history</a:t>
-            </a:r>
-            <a:r>
-              <a:rPr lang="de-DE" dirty="0"/>
-              <a:t> </a:t>
-            </a:r>
-            <a:r>
-              <a:rPr lang="de-DE" dirty="0" err="1"/>
-              <a:t>as</a:t>
-            </a:r>
-            <a:r>
-              <a:rPr lang="de-DE" dirty="0"/>
-              <a:t> </a:t>
-            </a:r>
-            <a:r>
-              <a:rPr lang="de-DE" dirty="0" err="1"/>
-              <a:t>part</a:t>
-            </a:r>
-            <a:r>
-              <a:rPr lang="de-DE" dirty="0"/>
-              <a:t> </a:t>
-            </a:r>
-            <a:r>
-              <a:rPr lang="de-DE" dirty="0" err="1"/>
-              <a:t>of</a:t>
-            </a:r>
-            <a:r>
-              <a:rPr lang="de-DE" dirty="0"/>
-              <a:t> </a:t>
-            </a:r>
-            <a:r>
-              <a:rPr lang="de-DE" dirty="0" err="1"/>
-              <a:t>the</a:t>
-            </a:r>
-            <a:r>
-              <a:rPr lang="de-DE" dirty="0"/>
-              <a:t> </a:t>
-            </a:r>
-            <a:r>
-              <a:rPr lang="de-DE" dirty="0" err="1"/>
-              <a:t>input</a:t>
-            </a:r>
-            <a:r>
-              <a:rPr lang="de-DE" dirty="0"/>
-              <a:t> </a:t>
-            </a:r>
-            <a:r>
-              <a:rPr lang="de-DE" dirty="0" err="1"/>
-              <a:t>to</a:t>
-            </a:r>
-            <a:r>
-              <a:rPr lang="de-DE" dirty="0"/>
-              <a:t> </a:t>
-            </a:r>
-            <a:r>
-              <a:rPr lang="de-DE" dirty="0" err="1"/>
-              <a:t>the</a:t>
-            </a:r>
-            <a:r>
-              <a:rPr lang="de-DE" dirty="0"/>
-              <a:t> </a:t>
-            </a:r>
-            <a:r>
-              <a:rPr lang="de-DE" dirty="0" err="1"/>
-              <a:t>model</a:t>
-            </a:r>
-            <a:r>
-              <a:rPr lang="de-DE" dirty="0"/>
-              <a:t> at </a:t>
-            </a:r>
-            <a:r>
-              <a:rPr lang="de-DE" dirty="0" err="1"/>
-              <a:t>each</a:t>
-            </a:r>
-            <a:r>
-              <a:rPr lang="de-DE" dirty="0"/>
-              <a:t> </a:t>
-            </a:r>
-            <a:r>
-              <a:rPr lang="de-DE" dirty="0" err="1"/>
-              <a:t>step</a:t>
-            </a:r>
-            <a:r>
-              <a:rPr lang="de-DE" dirty="0"/>
-              <a:t>.</a:t>
+              <a:t> and ChatGPT</a:t>
             </a:r>
           </a:p>
         </p:txBody>
@@ -7957,7 +7891,7 @@
           <p:cNvPr id="4" name="Foliennummernplatzhalter 3">
             <a:extLst>
               <a:ext uri="{FF2B5EF4-FFF2-40B4-BE49-F238E27FC236}">
-                <a16:creationId xmlns:a16="http://schemas.microsoft.com/office/drawing/2014/main" id="{4341BFF8-BEC1-70D4-324B-8FD51E0DAC79}"/>
+                <a16:creationId xmlns:a16="http://schemas.microsoft.com/office/drawing/2014/main" id="{425A7FC5-9ED3-4885-ECCE-73FBD8CB7493}"/>
               </a:ext>
             </a:extLst>
           </p:cNvPr>
@@ -7984,7 +7918,425 @@
     </p:spTree>
     <p:extLst>
       <p:ext uri="{BB962C8B-B14F-4D97-AF65-F5344CB8AC3E}">
+        <p14:creationId xmlns:p14="http://schemas.microsoft.com/office/powerpoint/2010/main" val="3914762839"/>
+      </p:ext>
+    </p:extLst>
+  </p:cSld>
+  <p:clrMapOvr>
+    <a:masterClrMapping/>
+  </p:clrMapOvr>
+</p:sld>
+</file>
+
+<file path=ppt/slides/slide13.xml><?xml version="1.0" encoding="utf-8"?>
+<p:sld xmlns:a="http://schemas.openxmlformats.org/drawingml/2006/main" xmlns:r="http://schemas.openxmlformats.org/officeDocument/2006/relationships" xmlns:p="http://schemas.openxmlformats.org/presentationml/2006/main">
+  <p:cSld>
+    <p:spTree>
+      <p:nvGrpSpPr>
+        <p:cNvPr id="1" name=""/>
+        <p:cNvGrpSpPr/>
+        <p:nvPr/>
+      </p:nvGrpSpPr>
+      <p:grpSpPr>
+        <a:xfrm>
+          <a:off x="0" y="0"/>
+          <a:ext cx="0" cy="0"/>
+          <a:chOff x="0" y="0"/>
+          <a:chExt cx="0" cy="0"/>
+        </a:xfrm>
+      </p:grpSpPr>
+      <p:sp>
+        <p:nvSpPr>
+          <p:cNvPr id="2" name="Titel 1">
+            <a:extLst>
+              <a:ext uri="{FF2B5EF4-FFF2-40B4-BE49-F238E27FC236}">
+                <a16:creationId xmlns:a16="http://schemas.microsoft.com/office/drawing/2014/main" id="{5A1B08B0-5FAB-8E36-9583-086C5FE7FBA2}"/>
+              </a:ext>
+            </a:extLst>
+          </p:cNvPr>
+          <p:cNvSpPr>
+            <a:spLocks noGrp="1"/>
+          </p:cNvSpPr>
+          <p:nvPr>
+            <p:ph type="title"/>
+          </p:nvPr>
+        </p:nvSpPr>
+        <p:spPr/>
+        <p:txBody>
+          <a:bodyPr/>
+          <a:lstStyle/>
+          <a:p>
+            <a:r>
+              <a:rPr lang="de-DE" dirty="0"/>
+              <a:t>Multi-Turn </a:t>
+            </a:r>
+            <a:r>
+              <a:rPr lang="de-DE" dirty="0" err="1"/>
+              <a:t>Dialogue</a:t>
+            </a:r>
+            <a:endParaRPr lang="de-DE" dirty="0"/>
+          </a:p>
+        </p:txBody>
+      </p:sp>
+      <p:sp>
+        <p:nvSpPr>
+          <p:cNvPr id="3" name="Inhaltsplatzhalter 2">
+            <a:extLst>
+              <a:ext uri="{FF2B5EF4-FFF2-40B4-BE49-F238E27FC236}">
+                <a16:creationId xmlns:a16="http://schemas.microsoft.com/office/drawing/2014/main" id="{BFDAE060-03E4-7410-C0A6-AE36D46743C1}"/>
+              </a:ext>
+            </a:extLst>
+          </p:cNvPr>
+          <p:cNvSpPr>
+            <a:spLocks noGrp="1"/>
+          </p:cNvSpPr>
+          <p:nvPr>
+            <p:ph idx="1"/>
+          </p:nvPr>
+        </p:nvSpPr>
+        <p:spPr/>
+        <p:txBody>
+          <a:bodyPr/>
+          <a:lstStyle/>
+          <a:p>
+            <a:r>
+              <a:rPr lang="de-DE" dirty="0" err="1"/>
+              <a:t>Handled</a:t>
+            </a:r>
+            <a:r>
+              <a:rPr lang="de-DE" dirty="0"/>
+              <a:t> </a:t>
+            </a:r>
+            <a:r>
+              <a:rPr lang="de-DE" dirty="0" err="1"/>
+              <a:t>entirely</a:t>
+            </a:r>
+            <a:r>
+              <a:rPr lang="de-DE" dirty="0"/>
+              <a:t> </a:t>
+            </a:r>
+            <a:r>
+              <a:rPr lang="de-DE" dirty="0" err="1"/>
+              <a:t>by</a:t>
+            </a:r>
+            <a:r>
+              <a:rPr lang="de-DE" dirty="0"/>
+              <a:t> </a:t>
+            </a:r>
+            <a:r>
+              <a:rPr lang="de-DE" dirty="0" err="1"/>
+              <a:t>passing</a:t>
+            </a:r>
+            <a:r>
+              <a:rPr lang="de-DE" dirty="0"/>
+              <a:t> </a:t>
+            </a:r>
+            <a:r>
+              <a:rPr lang="de-DE" dirty="0" err="1"/>
+              <a:t>the</a:t>
+            </a:r>
+            <a:r>
+              <a:rPr lang="de-DE" dirty="0"/>
+              <a:t> </a:t>
+            </a:r>
+            <a:r>
+              <a:rPr lang="de-DE" dirty="0" err="1"/>
+              <a:t>conversation</a:t>
+            </a:r>
+            <a:r>
+              <a:rPr lang="de-DE" dirty="0"/>
+              <a:t> </a:t>
+            </a:r>
+            <a:r>
+              <a:rPr lang="de-DE" dirty="0" err="1"/>
+              <a:t>history</a:t>
+            </a:r>
+            <a:r>
+              <a:rPr lang="de-DE" dirty="0"/>
+              <a:t> </a:t>
+            </a:r>
+            <a:r>
+              <a:rPr lang="de-DE" dirty="0" err="1"/>
+              <a:t>as</a:t>
+            </a:r>
+            <a:r>
+              <a:rPr lang="de-DE" dirty="0"/>
+              <a:t> </a:t>
+            </a:r>
+            <a:r>
+              <a:rPr lang="de-DE" dirty="0" err="1"/>
+              <a:t>part</a:t>
+            </a:r>
+            <a:r>
+              <a:rPr lang="de-DE" dirty="0"/>
+              <a:t> </a:t>
+            </a:r>
+            <a:r>
+              <a:rPr lang="de-DE" dirty="0" err="1"/>
+              <a:t>of</a:t>
+            </a:r>
+            <a:r>
+              <a:rPr lang="de-DE" dirty="0"/>
+              <a:t> </a:t>
+            </a:r>
+            <a:r>
+              <a:rPr lang="de-DE" dirty="0" err="1"/>
+              <a:t>the</a:t>
+            </a:r>
+            <a:r>
+              <a:rPr lang="de-DE" dirty="0"/>
+              <a:t> </a:t>
+            </a:r>
+            <a:r>
+              <a:rPr lang="de-DE" dirty="0" err="1"/>
+              <a:t>input</a:t>
+            </a:r>
+            <a:r>
+              <a:rPr lang="de-DE" dirty="0"/>
+              <a:t> </a:t>
+            </a:r>
+            <a:r>
+              <a:rPr lang="de-DE" dirty="0" err="1"/>
+              <a:t>to</a:t>
+            </a:r>
+            <a:r>
+              <a:rPr lang="de-DE" dirty="0"/>
+              <a:t> </a:t>
+            </a:r>
+            <a:r>
+              <a:rPr lang="de-DE" dirty="0" err="1"/>
+              <a:t>the</a:t>
+            </a:r>
+            <a:r>
+              <a:rPr lang="de-DE" dirty="0"/>
+              <a:t> </a:t>
+            </a:r>
+            <a:r>
+              <a:rPr lang="de-DE" dirty="0" err="1"/>
+              <a:t>model</a:t>
+            </a:r>
+            <a:r>
+              <a:rPr lang="de-DE" dirty="0"/>
+              <a:t> at </a:t>
+            </a:r>
+            <a:r>
+              <a:rPr lang="de-DE" dirty="0" err="1"/>
+              <a:t>each</a:t>
+            </a:r>
+            <a:r>
+              <a:rPr lang="de-DE" dirty="0"/>
+              <a:t> </a:t>
+            </a:r>
+            <a:r>
+              <a:rPr lang="de-DE" dirty="0" err="1"/>
+              <a:t>step</a:t>
+            </a:r>
+            <a:r>
+              <a:rPr lang="de-DE" dirty="0"/>
+              <a:t>.</a:t>
+            </a:r>
+          </a:p>
+        </p:txBody>
+      </p:sp>
+      <p:sp>
+        <p:nvSpPr>
+          <p:cNvPr id="4" name="Foliennummernplatzhalter 3">
+            <a:extLst>
+              <a:ext uri="{FF2B5EF4-FFF2-40B4-BE49-F238E27FC236}">
+                <a16:creationId xmlns:a16="http://schemas.microsoft.com/office/drawing/2014/main" id="{4341BFF8-BEC1-70D4-324B-8FD51E0DAC79}"/>
+              </a:ext>
+            </a:extLst>
+          </p:cNvPr>
+          <p:cNvSpPr>
+            <a:spLocks noGrp="1"/>
+          </p:cNvSpPr>
+          <p:nvPr>
+            <p:ph type="sldNum" sz="quarter" idx="12"/>
+          </p:nvPr>
+        </p:nvSpPr>
+        <p:spPr/>
+        <p:txBody>
+          <a:bodyPr/>
+          <a:lstStyle/>
+          <a:p>
+            <a:fld id="{4055531C-5681-6B44-B2CA-926D7A74B06D}" type="slidenum">
+              <a:rPr lang="de-DE" smtClean="0"/>
+              <a:t>13</a:t>
+            </a:fld>
+            <a:endParaRPr lang="de-DE"/>
+          </a:p>
+        </p:txBody>
+      </p:sp>
+    </p:spTree>
+    <p:extLst>
+      <p:ext uri="{BB962C8B-B14F-4D97-AF65-F5344CB8AC3E}">
         <p14:creationId xmlns:p14="http://schemas.microsoft.com/office/powerpoint/2010/main" val="2345780904"/>
+      </p:ext>
+    </p:extLst>
+  </p:cSld>
+  <p:clrMapOvr>
+    <a:masterClrMapping/>
+  </p:clrMapOvr>
+</p:sld>
+</file>
+
+<file path=ppt/slides/slide14.xml><?xml version="1.0" encoding="utf-8"?>
+<p:sld xmlns:a="http://schemas.openxmlformats.org/drawingml/2006/main" xmlns:r="http://schemas.openxmlformats.org/officeDocument/2006/relationships" xmlns:p="http://schemas.openxmlformats.org/presentationml/2006/main">
+  <p:cSld>
+    <p:spTree>
+      <p:nvGrpSpPr>
+        <p:cNvPr id="1" name=""/>
+        <p:cNvGrpSpPr/>
+        <p:nvPr/>
+      </p:nvGrpSpPr>
+      <p:grpSpPr>
+        <a:xfrm>
+          <a:off x="0" y="0"/>
+          <a:ext cx="0" cy="0"/>
+          <a:chOff x="0" y="0"/>
+          <a:chExt cx="0" cy="0"/>
+        </a:xfrm>
+      </p:grpSpPr>
+      <p:sp>
+        <p:nvSpPr>
+          <p:cNvPr id="2" name="Titel 1">
+            <a:extLst>
+              <a:ext uri="{FF2B5EF4-FFF2-40B4-BE49-F238E27FC236}">
+                <a16:creationId xmlns:a16="http://schemas.microsoft.com/office/drawing/2014/main" id="{26EB045E-1272-3E62-6E68-080CE472E3FB}"/>
+              </a:ext>
+            </a:extLst>
+          </p:cNvPr>
+          <p:cNvSpPr>
+            <a:spLocks noGrp="1"/>
+          </p:cNvSpPr>
+          <p:nvPr>
+            <p:ph type="title"/>
+          </p:nvPr>
+        </p:nvSpPr>
+        <p:spPr/>
+        <p:txBody>
+          <a:bodyPr/>
+          <a:lstStyle/>
+          <a:p>
+            <a:r>
+              <a:rPr lang="de-DE" dirty="0"/>
+              <a:t>Dialog Systems</a:t>
+            </a:r>
+          </a:p>
+        </p:txBody>
+      </p:sp>
+      <p:sp>
+        <p:nvSpPr>
+          <p:cNvPr id="3" name="Inhaltsplatzhalter 2">
+            <a:extLst>
+              <a:ext uri="{FF2B5EF4-FFF2-40B4-BE49-F238E27FC236}">
+                <a16:creationId xmlns:a16="http://schemas.microsoft.com/office/drawing/2014/main" id="{C16BFCD0-FDF6-89AF-2AC1-D92E4EB10467}"/>
+              </a:ext>
+            </a:extLst>
+          </p:cNvPr>
+          <p:cNvSpPr>
+            <a:spLocks noGrp="1"/>
+          </p:cNvSpPr>
+          <p:nvPr>
+            <p:ph idx="1"/>
+          </p:nvPr>
+        </p:nvSpPr>
+        <p:spPr/>
+        <p:txBody>
+          <a:bodyPr/>
+          <a:lstStyle/>
+          <a:p>
+            <a:pPr marL="0" indent="0">
+              <a:buNone/>
+            </a:pPr>
+            <a:r>
+              <a:rPr lang="de-DE" dirty="0"/>
+              <a:t>…</a:t>
+            </a:r>
+          </a:p>
+          <a:p>
+            <a:pPr marL="0" indent="0">
+              <a:buNone/>
+            </a:pPr>
+            <a:endParaRPr lang="de-DE" dirty="0"/>
+          </a:p>
+          <a:p>
+            <a:pPr marL="0" indent="0">
+              <a:buNone/>
+            </a:pPr>
+            <a:r>
+              <a:rPr lang="de-DE" dirty="0" err="1"/>
+              <a:t>with</a:t>
+            </a:r>
+            <a:r>
+              <a:rPr lang="de-DE" dirty="0"/>
+              <a:t> </a:t>
+            </a:r>
+            <a:r>
+              <a:rPr lang="de-DE" dirty="0" err="1"/>
+              <a:t>instruction-tuned</a:t>
+            </a:r>
+            <a:r>
+              <a:rPr lang="de-DE" dirty="0"/>
+              <a:t> and </a:t>
+            </a:r>
+            <a:r>
+              <a:rPr lang="de-DE" dirty="0" err="1"/>
+              <a:t>aligned</a:t>
+            </a:r>
+            <a:r>
+              <a:rPr lang="de-DE" dirty="0"/>
+              <a:t> LLMs: </a:t>
+            </a:r>
+            <a:r>
+              <a:rPr lang="de-DE" dirty="0" err="1"/>
+              <a:t>assistant</a:t>
+            </a:r>
+            <a:r>
+              <a:rPr lang="de-DE" dirty="0"/>
+              <a:t>-style </a:t>
+            </a:r>
+            <a:r>
+              <a:rPr lang="de-DE" dirty="0" err="1"/>
+              <a:t>models</a:t>
+            </a:r>
+            <a:endParaRPr lang="de-DE" dirty="0"/>
+          </a:p>
+        </p:txBody>
+      </p:sp>
+      <p:sp>
+        <p:nvSpPr>
+          <p:cNvPr id="4" name="Foliennummernplatzhalter 3">
+            <a:extLst>
+              <a:ext uri="{FF2B5EF4-FFF2-40B4-BE49-F238E27FC236}">
+                <a16:creationId xmlns:a16="http://schemas.microsoft.com/office/drawing/2014/main" id="{96D7745C-33A3-5E08-9676-31B82A7FED49}"/>
+              </a:ext>
+            </a:extLst>
+          </p:cNvPr>
+          <p:cNvSpPr>
+            <a:spLocks noGrp="1"/>
+          </p:cNvSpPr>
+          <p:nvPr>
+            <p:ph type="sldNum" sz="quarter" idx="12"/>
+          </p:nvPr>
+        </p:nvSpPr>
+        <p:spPr/>
+        <p:txBody>
+          <a:bodyPr/>
+          <a:lstStyle/>
+          <a:p>
+            <a:fld id="{4055531C-5681-6B44-B2CA-926D7A74B06D}" type="slidenum">
+              <a:rPr lang="de-DE" smtClean="0"/>
+              <a:t>14</a:t>
+            </a:fld>
+            <a:endParaRPr lang="de-DE"/>
+          </a:p>
+        </p:txBody>
+      </p:sp>
+    </p:spTree>
+    <p:extLst>
+      <p:ext uri="{BB962C8B-B14F-4D97-AF65-F5344CB8AC3E}">
+        <p14:creationId xmlns:p14="http://schemas.microsoft.com/office/powerpoint/2010/main" val="2682940258"/>
       </p:ext>
     </p:extLst>
   </p:cSld>
@@ -9460,10 +9812,10 @@
       </p:grpSpPr>
       <p:sp>
         <p:nvSpPr>
-          <p:cNvPr id="3" name="Titel 2">
-            <a:extLst>
-              <a:ext uri="{FF2B5EF4-FFF2-40B4-BE49-F238E27FC236}">
-                <a16:creationId xmlns:a16="http://schemas.microsoft.com/office/drawing/2014/main" id="{4B6824DA-8B74-F684-F880-FDAAE5FC687C}"/>
+          <p:cNvPr id="2" name="Titel 1">
+            <a:extLst>
+              <a:ext uri="{FF2B5EF4-FFF2-40B4-BE49-F238E27FC236}">
+                <a16:creationId xmlns:a16="http://schemas.microsoft.com/office/drawing/2014/main" id="{66694547-5151-D7D3-A925-23192933D4D6}"/>
               </a:ext>
             </a:extLst>
           </p:cNvPr>
@@ -9481,17 +9833,22 @@
           <a:p>
             <a:r>
               <a:rPr lang="de-DE" dirty="0"/>
-              <a:t>Vibe Coding</a:t>
-            </a:r>
-          </a:p>
-        </p:txBody>
-      </p:sp>
-      <p:sp>
-        <p:nvSpPr>
-          <p:cNvPr id="4" name="Inhaltsplatzhalter 3">
-            <a:extLst>
-              <a:ext uri="{FF2B5EF4-FFF2-40B4-BE49-F238E27FC236}">
-                <a16:creationId xmlns:a16="http://schemas.microsoft.com/office/drawing/2014/main" id="{6F9C158D-A2EE-2A3F-360F-3F48C1631E96}"/>
+              <a:t>Use Case: Question </a:t>
+            </a:r>
+            <a:r>
+              <a:rPr lang="de-DE" dirty="0" err="1"/>
+              <a:t>Answering</a:t>
+            </a:r>
+            <a:endParaRPr lang="de-DE" dirty="0"/>
+          </a:p>
+        </p:txBody>
+      </p:sp>
+      <p:sp>
+        <p:nvSpPr>
+          <p:cNvPr id="3" name="Inhaltsplatzhalter 2">
+            <a:extLst>
+              <a:ext uri="{FF2B5EF4-FFF2-40B4-BE49-F238E27FC236}">
+                <a16:creationId xmlns:a16="http://schemas.microsoft.com/office/drawing/2014/main" id="{16ECF3B4-00CD-08EC-E43D-808D6F92E4C7}"/>
               </a:ext>
             </a:extLst>
           </p:cNvPr>
@@ -9513,10 +9870,10 @@
       </p:sp>
       <p:sp>
         <p:nvSpPr>
-          <p:cNvPr id="2" name="Foliennummernplatzhalter 1">
-            <a:extLst>
-              <a:ext uri="{FF2B5EF4-FFF2-40B4-BE49-F238E27FC236}">
-                <a16:creationId xmlns:a16="http://schemas.microsoft.com/office/drawing/2014/main" id="{2FCD1A9F-76D0-3A1D-0524-21380D475A5C}"/>
+          <p:cNvPr id="4" name="Foliennummernplatzhalter 3">
+            <a:extLst>
+              <a:ext uri="{FF2B5EF4-FFF2-40B4-BE49-F238E27FC236}">
+                <a16:creationId xmlns:a16="http://schemas.microsoft.com/office/drawing/2014/main" id="{FF4B0235-81C4-B185-7A07-065F0D4471A3}"/>
               </a:ext>
             </a:extLst>
           </p:cNvPr>
@@ -9543,7 +9900,7 @@
     </p:spTree>
     <p:extLst>
       <p:ext uri="{BB962C8B-B14F-4D97-AF65-F5344CB8AC3E}">
-        <p14:creationId xmlns:p14="http://schemas.microsoft.com/office/powerpoint/2010/main" val="2476970652"/>
+        <p14:creationId xmlns:p14="http://schemas.microsoft.com/office/powerpoint/2010/main" val="687081360"/>
       </p:ext>
     </p:extLst>
   </p:cSld>
@@ -9570,42 +9927,12 @@
           <a:chExt cx="0" cy="0"/>
         </a:xfrm>
       </p:grpSpPr>
-      <p:pic>
-        <p:nvPicPr>
-          <p:cNvPr id="5" name="Grafik 4" descr="Ein Bild, das Text, Diagramm, Reihe, Screenshot enthält.&#10;&#10;KI-generierte Inhalte können fehlerhaft sein.">
-            <a:extLst>
-              <a:ext uri="{FF2B5EF4-FFF2-40B4-BE49-F238E27FC236}">
-                <a16:creationId xmlns:a16="http://schemas.microsoft.com/office/drawing/2014/main" id="{96747100-59AE-6262-89EF-8C7470AFFDAD}"/>
-              </a:ext>
-            </a:extLst>
-          </p:cNvPr>
-          <p:cNvPicPr>
-            <a:picLocks noChangeAspect="1"/>
-          </p:cNvPicPr>
-          <p:nvPr/>
-        </p:nvPicPr>
-        <p:blipFill>
-          <a:blip r:embed="rId2"/>
-          <a:stretch>
-            <a:fillRect/>
-          </a:stretch>
-        </p:blipFill>
-        <p:spPr>
-          <a:xfrm>
-            <a:off x="838200" y="3334977"/>
-            <a:ext cx="10515600" cy="3298525"/>
-          </a:xfrm>
-          <a:prstGeom prst="rect">
-            <a:avLst/>
-          </a:prstGeom>
-        </p:spPr>
-      </p:pic>
-      <p:sp>
-        <p:nvSpPr>
-          <p:cNvPr id="2" name="Titel 1">
-            <a:extLst>
-              <a:ext uri="{FF2B5EF4-FFF2-40B4-BE49-F238E27FC236}">
-                <a16:creationId xmlns:a16="http://schemas.microsoft.com/office/drawing/2014/main" id="{A2D747F7-B5C9-14F0-BC67-84479A070FE6}"/>
+      <p:sp>
+        <p:nvSpPr>
+          <p:cNvPr id="3" name="Titel 2">
+            <a:extLst>
+              <a:ext uri="{FF2B5EF4-FFF2-40B4-BE49-F238E27FC236}">
+                <a16:creationId xmlns:a16="http://schemas.microsoft.com/office/drawing/2014/main" id="{4B6824DA-8B74-F684-F880-FDAAE5FC687C}"/>
               </a:ext>
             </a:extLst>
           </p:cNvPr>
@@ -9623,17 +9950,17 @@
           <a:p>
             <a:r>
               <a:rPr lang="de-DE" dirty="0"/>
-              <a:t>Alignment</a:t>
-            </a:r>
-          </a:p>
-        </p:txBody>
-      </p:sp>
-      <p:sp>
-        <p:nvSpPr>
-          <p:cNvPr id="3" name="Inhaltsplatzhalter 2">
-            <a:extLst>
-              <a:ext uri="{FF2B5EF4-FFF2-40B4-BE49-F238E27FC236}">
-                <a16:creationId xmlns:a16="http://schemas.microsoft.com/office/drawing/2014/main" id="{FDF9E407-E7CD-CEC9-08A9-C9287C7FD409}"/>
+              <a:t>Vibe Coding</a:t>
+            </a:r>
+          </a:p>
+        </p:txBody>
+      </p:sp>
+      <p:sp>
+        <p:nvSpPr>
+          <p:cNvPr id="4" name="Inhaltsplatzhalter 3">
+            <a:extLst>
+              <a:ext uri="{FF2B5EF4-FFF2-40B4-BE49-F238E27FC236}">
+                <a16:creationId xmlns:a16="http://schemas.microsoft.com/office/drawing/2014/main" id="{6F9C158D-A2EE-2A3F-360F-3F48C1631E96}"/>
               </a:ext>
             </a:extLst>
           </p:cNvPr>
@@ -9649,58 +9976,16 @@
           <a:bodyPr/>
           <a:lstStyle/>
           <a:p>
-            <a:r>
-              <a:rPr lang="de-DE" dirty="0"/>
-              <a:t>…</a:t>
-            </a:r>
-          </a:p>
-          <a:p>
-            <a:r>
-              <a:rPr lang="en-GB" dirty="0"/>
-              <a:t>reinforcement learning from human feedback (</a:t>
-            </a:r>
-            <a:r>
-              <a:rPr lang="en-GB" dirty="0">
-                <a:hlinkClick r:id="rId3"/>
-              </a:rPr>
-              <a:t>RLHF</a:t>
-            </a:r>
-            <a:r>
-              <a:rPr lang="en-GB" dirty="0"/>
-              <a:t>)</a:t>
-            </a:r>
-          </a:p>
-          <a:p>
-            <a:r>
-              <a:rPr lang="en-GB" dirty="0"/>
-              <a:t>alternatives: </a:t>
-            </a:r>
-            <a:r>
-              <a:rPr lang="en-GB" dirty="0">
-                <a:hlinkClick r:id="rId4"/>
-              </a:rPr>
-              <a:t>DPO</a:t>
-            </a:r>
-            <a:r>
-              <a:rPr lang="en-GB" dirty="0"/>
-              <a:t>, </a:t>
-            </a:r>
-            <a:r>
-              <a:rPr lang="en-GB" dirty="0">
-                <a:hlinkClick r:id="rId5"/>
-              </a:rPr>
-              <a:t>ORPO</a:t>
-            </a:r>
-            <a:endParaRPr lang="en-GB" dirty="0"/>
-          </a:p>
-        </p:txBody>
-      </p:sp>
-      <p:sp>
-        <p:nvSpPr>
-          <p:cNvPr id="4" name="Foliennummernplatzhalter 3">
-            <a:extLst>
-              <a:ext uri="{FF2B5EF4-FFF2-40B4-BE49-F238E27FC236}">
-                <a16:creationId xmlns:a16="http://schemas.microsoft.com/office/drawing/2014/main" id="{EAE107DF-A4FD-7351-4A7D-0434F1EAC98D}"/>
+            <a:endParaRPr lang="de-DE"/>
+          </a:p>
+        </p:txBody>
+      </p:sp>
+      <p:sp>
+        <p:nvSpPr>
+          <p:cNvPr id="2" name="Foliennummernplatzhalter 1">
+            <a:extLst>
+              <a:ext uri="{FF2B5EF4-FFF2-40B4-BE49-F238E27FC236}">
+                <a16:creationId xmlns:a16="http://schemas.microsoft.com/office/drawing/2014/main" id="{2FCD1A9F-76D0-3A1D-0524-21380D475A5C}"/>
               </a:ext>
             </a:extLst>
           </p:cNvPr>
@@ -9727,7 +10012,7 @@
     </p:spTree>
     <p:extLst>
       <p:ext uri="{BB962C8B-B14F-4D97-AF65-F5344CB8AC3E}">
-        <p14:creationId xmlns:p14="http://schemas.microsoft.com/office/powerpoint/2010/main" val="1126874156"/>
+        <p14:creationId xmlns:p14="http://schemas.microsoft.com/office/powerpoint/2010/main" val="2476970652"/>
       </p:ext>
     </p:extLst>
   </p:cSld>
